--- a/pics/2020-07-30_Multiple_Integral/pics.pptx
+++ b/pics/2020-07-30_Multiple_Integral/pics.pptx
@@ -6,7 +6,8 @@
   </p:sldMasterIdLst>
   <p:sldIdLst>
     <p:sldId id="256" r:id="rId2"/>
-    <p:sldId id="257" r:id="rId3"/>
+    <p:sldId id="258" r:id="rId3"/>
+    <p:sldId id="257" r:id="rId4"/>
   </p:sldIdLst>
   <p:sldSz cx="9144000" cy="6858000" type="screen4x3"/>
   <p:notesSz cx="6858000" cy="9144000"/>
@@ -105,6 +106,22 @@
       </a:defRPr>
     </a:lvl9pPr>
   </p:defaultTextStyle>
+  <p:extLst>
+    <p:ext uri="{EFAFB233-063F-42B5-8137-9DF3F51BA10A}">
+      <p15:sldGuideLst xmlns:p15="http://schemas.microsoft.com/office/powerpoint/2012/main">
+        <p15:guide id="1" orient="horz" pos="2160">
+          <p15:clr>
+            <a:srgbClr val="A4A3A4"/>
+          </p15:clr>
+        </p15:guide>
+        <p15:guide id="2" pos="2880">
+          <p15:clr>
+            <a:srgbClr val="A4A3A4"/>
+          </p15:clr>
+        </p15:guide>
+      </p15:sldGuideLst>
+    </p:ext>
+  </p:extLst>
 </p:presentation>
 </file>
 
@@ -146,10 +163,9 @@
           <a:lstStyle/>
           <a:p>
             <a:r>
-              <a:rPr lang="ko-KR" altLang="en-US" smtClean="0"/>
+              <a:rPr lang="ko-KR" altLang="en-US"/>
               <a:t>마스터 제목 스타일 편집</a:t>
             </a:r>
-            <a:endParaRPr lang="ko-KR" altLang="en-US"/>
           </a:p>
         </p:txBody>
       </p:sp>
@@ -265,10 +281,9 @@
           </a:lstStyle>
           <a:p>
             <a:r>
-              <a:rPr lang="ko-KR" altLang="en-US" smtClean="0"/>
+              <a:rPr lang="ko-KR" altLang="en-US"/>
               <a:t>마스터 부제목 스타일 편집</a:t>
             </a:r>
-            <a:endParaRPr lang="ko-KR" altLang="en-US"/>
           </a:p>
         </p:txBody>
       </p:sp>
@@ -289,7 +304,7 @@
           <a:p>
             <a:fld id="{AEDFB97F-004E-4AF4-871B-DB3CA4280134}" type="datetimeFigureOut">
               <a:rPr lang="ko-KR" altLang="en-US" smtClean="0"/>
-              <a:t>2020-08-04</a:t>
+              <a:t>2023-04-25</a:t>
             </a:fld>
             <a:endParaRPr lang="ko-KR" altLang="en-US"/>
           </a:p>
@@ -383,10 +398,9 @@
           <a:lstStyle/>
           <a:p>
             <a:r>
-              <a:rPr lang="ko-KR" altLang="en-US" smtClean="0"/>
+              <a:rPr lang="ko-KR" altLang="en-US"/>
               <a:t>마스터 제목 스타일 편집</a:t>
             </a:r>
-            <a:endParaRPr lang="ko-KR" altLang="en-US"/>
           </a:p>
         </p:txBody>
       </p:sp>
@@ -407,38 +421,37 @@
           <a:p>
             <a:pPr lvl="0"/>
             <a:r>
-              <a:rPr lang="ko-KR" altLang="en-US" smtClean="0"/>
+              <a:rPr lang="ko-KR" altLang="en-US"/>
               <a:t>마스터 텍스트 스타일을 편집합니다</a:t>
             </a:r>
           </a:p>
           <a:p>
             <a:pPr lvl="1"/>
             <a:r>
-              <a:rPr lang="ko-KR" altLang="en-US" smtClean="0"/>
+              <a:rPr lang="ko-KR" altLang="en-US"/>
               <a:t>둘째 수준</a:t>
             </a:r>
           </a:p>
           <a:p>
             <a:pPr lvl="2"/>
             <a:r>
-              <a:rPr lang="ko-KR" altLang="en-US" smtClean="0"/>
+              <a:rPr lang="ko-KR" altLang="en-US"/>
               <a:t>셋째 수준</a:t>
             </a:r>
           </a:p>
           <a:p>
             <a:pPr lvl="3"/>
             <a:r>
-              <a:rPr lang="ko-KR" altLang="en-US" smtClean="0"/>
+              <a:rPr lang="ko-KR" altLang="en-US"/>
               <a:t>넷째 수준</a:t>
             </a:r>
           </a:p>
           <a:p>
             <a:pPr lvl="4"/>
             <a:r>
-              <a:rPr lang="ko-KR" altLang="en-US" smtClean="0"/>
+              <a:rPr lang="ko-KR" altLang="en-US"/>
               <a:t>다섯째 수준</a:t>
             </a:r>
-            <a:endParaRPr lang="ko-KR" altLang="en-US"/>
           </a:p>
         </p:txBody>
       </p:sp>
@@ -459,7 +472,7 @@
           <a:p>
             <a:fld id="{AEDFB97F-004E-4AF4-871B-DB3CA4280134}" type="datetimeFigureOut">
               <a:rPr lang="ko-KR" altLang="en-US" smtClean="0"/>
-              <a:t>2020-08-04</a:t>
+              <a:t>2023-04-25</a:t>
             </a:fld>
             <a:endParaRPr lang="ko-KR" altLang="en-US"/>
           </a:p>
@@ -558,10 +571,9 @@
           <a:lstStyle/>
           <a:p>
             <a:r>
-              <a:rPr lang="ko-KR" altLang="en-US" smtClean="0"/>
+              <a:rPr lang="ko-KR" altLang="en-US"/>
               <a:t>마스터 제목 스타일 편집</a:t>
             </a:r>
-            <a:endParaRPr lang="ko-KR" altLang="en-US"/>
           </a:p>
         </p:txBody>
       </p:sp>
@@ -587,38 +599,37 @@
           <a:p>
             <a:pPr lvl="0"/>
             <a:r>
-              <a:rPr lang="ko-KR" altLang="en-US" smtClean="0"/>
+              <a:rPr lang="ko-KR" altLang="en-US"/>
               <a:t>마스터 텍스트 스타일을 편집합니다</a:t>
             </a:r>
           </a:p>
           <a:p>
             <a:pPr lvl="1"/>
             <a:r>
-              <a:rPr lang="ko-KR" altLang="en-US" smtClean="0"/>
+              <a:rPr lang="ko-KR" altLang="en-US"/>
               <a:t>둘째 수준</a:t>
             </a:r>
           </a:p>
           <a:p>
             <a:pPr lvl="2"/>
             <a:r>
-              <a:rPr lang="ko-KR" altLang="en-US" smtClean="0"/>
+              <a:rPr lang="ko-KR" altLang="en-US"/>
               <a:t>셋째 수준</a:t>
             </a:r>
           </a:p>
           <a:p>
             <a:pPr lvl="3"/>
             <a:r>
-              <a:rPr lang="ko-KR" altLang="en-US" smtClean="0"/>
+              <a:rPr lang="ko-KR" altLang="en-US"/>
               <a:t>넷째 수준</a:t>
             </a:r>
           </a:p>
           <a:p>
             <a:pPr lvl="4"/>
             <a:r>
-              <a:rPr lang="ko-KR" altLang="en-US" smtClean="0"/>
+              <a:rPr lang="ko-KR" altLang="en-US"/>
               <a:t>다섯째 수준</a:t>
             </a:r>
-            <a:endParaRPr lang="ko-KR" altLang="en-US"/>
           </a:p>
         </p:txBody>
       </p:sp>
@@ -639,7 +650,7 @@
           <a:p>
             <a:fld id="{AEDFB97F-004E-4AF4-871B-DB3CA4280134}" type="datetimeFigureOut">
               <a:rPr lang="ko-KR" altLang="en-US" smtClean="0"/>
-              <a:t>2020-08-04</a:t>
+              <a:t>2023-04-25</a:t>
             </a:fld>
             <a:endParaRPr lang="ko-KR" altLang="en-US"/>
           </a:p>
@@ -733,10 +744,9 @@
           <a:lstStyle/>
           <a:p>
             <a:r>
-              <a:rPr lang="ko-KR" altLang="en-US" smtClean="0"/>
+              <a:rPr lang="ko-KR" altLang="en-US"/>
               <a:t>마스터 제목 스타일 편집</a:t>
             </a:r>
-            <a:endParaRPr lang="ko-KR" altLang="en-US"/>
           </a:p>
         </p:txBody>
       </p:sp>
@@ -757,38 +767,37 @@
           <a:p>
             <a:pPr lvl="0"/>
             <a:r>
-              <a:rPr lang="ko-KR" altLang="en-US" smtClean="0"/>
+              <a:rPr lang="ko-KR" altLang="en-US"/>
               <a:t>마스터 텍스트 스타일을 편집합니다</a:t>
             </a:r>
           </a:p>
           <a:p>
             <a:pPr lvl="1"/>
             <a:r>
-              <a:rPr lang="ko-KR" altLang="en-US" smtClean="0"/>
+              <a:rPr lang="ko-KR" altLang="en-US"/>
               <a:t>둘째 수준</a:t>
             </a:r>
           </a:p>
           <a:p>
             <a:pPr lvl="2"/>
             <a:r>
-              <a:rPr lang="ko-KR" altLang="en-US" smtClean="0"/>
+              <a:rPr lang="ko-KR" altLang="en-US"/>
               <a:t>셋째 수준</a:t>
             </a:r>
           </a:p>
           <a:p>
             <a:pPr lvl="3"/>
             <a:r>
-              <a:rPr lang="ko-KR" altLang="en-US" smtClean="0"/>
+              <a:rPr lang="ko-KR" altLang="en-US"/>
               <a:t>넷째 수준</a:t>
             </a:r>
           </a:p>
           <a:p>
             <a:pPr lvl="4"/>
             <a:r>
-              <a:rPr lang="ko-KR" altLang="en-US" smtClean="0"/>
+              <a:rPr lang="ko-KR" altLang="en-US"/>
               <a:t>다섯째 수준</a:t>
             </a:r>
-            <a:endParaRPr lang="ko-KR" altLang="en-US"/>
           </a:p>
         </p:txBody>
       </p:sp>
@@ -809,7 +818,7 @@
           <a:p>
             <a:fld id="{AEDFB97F-004E-4AF4-871B-DB3CA4280134}" type="datetimeFigureOut">
               <a:rPr lang="ko-KR" altLang="en-US" smtClean="0"/>
-              <a:t>2020-08-04</a:t>
+              <a:t>2023-04-25</a:t>
             </a:fld>
             <a:endParaRPr lang="ko-KR" altLang="en-US"/>
           </a:p>
@@ -912,10 +921,9 @@
           </a:lstStyle>
           <a:p>
             <a:r>
-              <a:rPr lang="ko-KR" altLang="en-US" smtClean="0"/>
+              <a:rPr lang="ko-KR" altLang="en-US"/>
               <a:t>마스터 제목 스타일 편집</a:t>
             </a:r>
-            <a:endParaRPr lang="ko-KR" altLang="en-US"/>
           </a:p>
         </p:txBody>
       </p:sp>
@@ -1032,7 +1040,7 @@
           <a:p>
             <a:pPr lvl="0"/>
             <a:r>
-              <a:rPr lang="ko-KR" altLang="en-US" smtClean="0"/>
+              <a:rPr lang="ko-KR" altLang="en-US"/>
               <a:t>마스터 텍스트 스타일을 편집합니다</a:t>
             </a:r>
           </a:p>
@@ -1055,7 +1063,7 @@
           <a:p>
             <a:fld id="{AEDFB97F-004E-4AF4-871B-DB3CA4280134}" type="datetimeFigureOut">
               <a:rPr lang="ko-KR" altLang="en-US" smtClean="0"/>
-              <a:t>2020-08-04</a:t>
+              <a:t>2023-04-25</a:t>
             </a:fld>
             <a:endParaRPr lang="ko-KR" altLang="en-US"/>
           </a:p>
@@ -1149,10 +1157,9 @@
           <a:lstStyle/>
           <a:p>
             <a:r>
-              <a:rPr lang="ko-KR" altLang="en-US" smtClean="0"/>
+              <a:rPr lang="ko-KR" altLang="en-US"/>
               <a:t>마스터 제목 스타일 편집</a:t>
             </a:r>
-            <a:endParaRPr lang="ko-KR" altLang="en-US"/>
           </a:p>
         </p:txBody>
       </p:sp>
@@ -1206,38 +1213,37 @@
           <a:p>
             <a:pPr lvl="0"/>
             <a:r>
-              <a:rPr lang="ko-KR" altLang="en-US" smtClean="0"/>
+              <a:rPr lang="ko-KR" altLang="en-US"/>
               <a:t>마스터 텍스트 스타일을 편집합니다</a:t>
             </a:r>
           </a:p>
           <a:p>
             <a:pPr lvl="1"/>
             <a:r>
-              <a:rPr lang="ko-KR" altLang="en-US" smtClean="0"/>
+              <a:rPr lang="ko-KR" altLang="en-US"/>
               <a:t>둘째 수준</a:t>
             </a:r>
           </a:p>
           <a:p>
             <a:pPr lvl="2"/>
             <a:r>
-              <a:rPr lang="ko-KR" altLang="en-US" smtClean="0"/>
+              <a:rPr lang="ko-KR" altLang="en-US"/>
               <a:t>셋째 수준</a:t>
             </a:r>
           </a:p>
           <a:p>
             <a:pPr lvl="3"/>
             <a:r>
-              <a:rPr lang="ko-KR" altLang="en-US" smtClean="0"/>
+              <a:rPr lang="ko-KR" altLang="en-US"/>
               <a:t>넷째 수준</a:t>
             </a:r>
           </a:p>
           <a:p>
             <a:pPr lvl="4"/>
             <a:r>
-              <a:rPr lang="ko-KR" altLang="en-US" smtClean="0"/>
+              <a:rPr lang="ko-KR" altLang="en-US"/>
               <a:t>다섯째 수준</a:t>
             </a:r>
-            <a:endParaRPr lang="ko-KR" altLang="en-US"/>
           </a:p>
         </p:txBody>
       </p:sp>
@@ -1291,38 +1297,37 @@
           <a:p>
             <a:pPr lvl="0"/>
             <a:r>
-              <a:rPr lang="ko-KR" altLang="en-US" smtClean="0"/>
+              <a:rPr lang="ko-KR" altLang="en-US"/>
               <a:t>마스터 텍스트 스타일을 편집합니다</a:t>
             </a:r>
           </a:p>
           <a:p>
             <a:pPr lvl="1"/>
             <a:r>
-              <a:rPr lang="ko-KR" altLang="en-US" smtClean="0"/>
+              <a:rPr lang="ko-KR" altLang="en-US"/>
               <a:t>둘째 수준</a:t>
             </a:r>
           </a:p>
           <a:p>
             <a:pPr lvl="2"/>
             <a:r>
-              <a:rPr lang="ko-KR" altLang="en-US" smtClean="0"/>
+              <a:rPr lang="ko-KR" altLang="en-US"/>
               <a:t>셋째 수준</a:t>
             </a:r>
           </a:p>
           <a:p>
             <a:pPr lvl="3"/>
             <a:r>
-              <a:rPr lang="ko-KR" altLang="en-US" smtClean="0"/>
+              <a:rPr lang="ko-KR" altLang="en-US"/>
               <a:t>넷째 수준</a:t>
             </a:r>
           </a:p>
           <a:p>
             <a:pPr lvl="4"/>
             <a:r>
-              <a:rPr lang="ko-KR" altLang="en-US" smtClean="0"/>
+              <a:rPr lang="ko-KR" altLang="en-US"/>
               <a:t>다섯째 수준</a:t>
             </a:r>
-            <a:endParaRPr lang="ko-KR" altLang="en-US"/>
           </a:p>
         </p:txBody>
       </p:sp>
@@ -1343,7 +1348,7 @@
           <a:p>
             <a:fld id="{AEDFB97F-004E-4AF4-871B-DB3CA4280134}" type="datetimeFigureOut">
               <a:rPr lang="ko-KR" altLang="en-US" smtClean="0"/>
-              <a:t>2020-08-04</a:t>
+              <a:t>2023-04-25</a:t>
             </a:fld>
             <a:endParaRPr lang="ko-KR" altLang="en-US"/>
           </a:p>
@@ -1441,10 +1446,9 @@
           </a:lstStyle>
           <a:p>
             <a:r>
-              <a:rPr lang="ko-KR" altLang="en-US" smtClean="0"/>
+              <a:rPr lang="ko-KR" altLang="en-US"/>
               <a:t>마스터 제목 스타일 편집</a:t>
             </a:r>
-            <a:endParaRPr lang="ko-KR" altLang="en-US"/>
           </a:p>
         </p:txBody>
       </p:sp>
@@ -1507,7 +1511,7 @@
           <a:p>
             <a:pPr lvl="0"/>
             <a:r>
-              <a:rPr lang="ko-KR" altLang="en-US" smtClean="0"/>
+              <a:rPr lang="ko-KR" altLang="en-US"/>
               <a:t>마스터 텍스트 스타일을 편집합니다</a:t>
             </a:r>
           </a:p>
@@ -1563,38 +1567,37 @@
           <a:p>
             <a:pPr lvl="0"/>
             <a:r>
-              <a:rPr lang="ko-KR" altLang="en-US" smtClean="0"/>
+              <a:rPr lang="ko-KR" altLang="en-US"/>
               <a:t>마스터 텍스트 스타일을 편집합니다</a:t>
             </a:r>
           </a:p>
           <a:p>
             <a:pPr lvl="1"/>
             <a:r>
-              <a:rPr lang="ko-KR" altLang="en-US" smtClean="0"/>
+              <a:rPr lang="ko-KR" altLang="en-US"/>
               <a:t>둘째 수준</a:t>
             </a:r>
           </a:p>
           <a:p>
             <a:pPr lvl="2"/>
             <a:r>
-              <a:rPr lang="ko-KR" altLang="en-US" smtClean="0"/>
+              <a:rPr lang="ko-KR" altLang="en-US"/>
               <a:t>셋째 수준</a:t>
             </a:r>
           </a:p>
           <a:p>
             <a:pPr lvl="3"/>
             <a:r>
-              <a:rPr lang="ko-KR" altLang="en-US" smtClean="0"/>
+              <a:rPr lang="ko-KR" altLang="en-US"/>
               <a:t>넷째 수준</a:t>
             </a:r>
           </a:p>
           <a:p>
             <a:pPr lvl="4"/>
             <a:r>
-              <a:rPr lang="ko-KR" altLang="en-US" smtClean="0"/>
+              <a:rPr lang="ko-KR" altLang="en-US"/>
               <a:t>다섯째 수준</a:t>
             </a:r>
-            <a:endParaRPr lang="ko-KR" altLang="en-US"/>
           </a:p>
         </p:txBody>
       </p:sp>
@@ -1657,7 +1660,7 @@
           <a:p>
             <a:pPr lvl="0"/>
             <a:r>
-              <a:rPr lang="ko-KR" altLang="en-US" smtClean="0"/>
+              <a:rPr lang="ko-KR" altLang="en-US"/>
               <a:t>마스터 텍스트 스타일을 편집합니다</a:t>
             </a:r>
           </a:p>
@@ -1713,38 +1716,37 @@
           <a:p>
             <a:pPr lvl="0"/>
             <a:r>
-              <a:rPr lang="ko-KR" altLang="en-US" smtClean="0"/>
+              <a:rPr lang="ko-KR" altLang="en-US"/>
               <a:t>마스터 텍스트 스타일을 편집합니다</a:t>
             </a:r>
           </a:p>
           <a:p>
             <a:pPr lvl="1"/>
             <a:r>
-              <a:rPr lang="ko-KR" altLang="en-US" smtClean="0"/>
+              <a:rPr lang="ko-KR" altLang="en-US"/>
               <a:t>둘째 수준</a:t>
             </a:r>
           </a:p>
           <a:p>
             <a:pPr lvl="2"/>
             <a:r>
-              <a:rPr lang="ko-KR" altLang="en-US" smtClean="0"/>
+              <a:rPr lang="ko-KR" altLang="en-US"/>
               <a:t>셋째 수준</a:t>
             </a:r>
           </a:p>
           <a:p>
             <a:pPr lvl="3"/>
             <a:r>
-              <a:rPr lang="ko-KR" altLang="en-US" smtClean="0"/>
+              <a:rPr lang="ko-KR" altLang="en-US"/>
               <a:t>넷째 수준</a:t>
             </a:r>
           </a:p>
           <a:p>
             <a:pPr lvl="4"/>
             <a:r>
-              <a:rPr lang="ko-KR" altLang="en-US" smtClean="0"/>
+              <a:rPr lang="ko-KR" altLang="en-US"/>
               <a:t>다섯째 수준</a:t>
             </a:r>
-            <a:endParaRPr lang="ko-KR" altLang="en-US"/>
           </a:p>
         </p:txBody>
       </p:sp>
@@ -1765,7 +1767,7 @@
           <a:p>
             <a:fld id="{AEDFB97F-004E-4AF4-871B-DB3CA4280134}" type="datetimeFigureOut">
               <a:rPr lang="ko-KR" altLang="en-US" smtClean="0"/>
-              <a:t>2020-08-04</a:t>
+              <a:t>2023-04-25</a:t>
             </a:fld>
             <a:endParaRPr lang="ko-KR" altLang="en-US"/>
           </a:p>
@@ -1859,10 +1861,9 @@
           <a:lstStyle/>
           <a:p>
             <a:r>
-              <a:rPr lang="ko-KR" altLang="en-US" smtClean="0"/>
+              <a:rPr lang="ko-KR" altLang="en-US"/>
               <a:t>마스터 제목 스타일 편집</a:t>
             </a:r>
-            <a:endParaRPr lang="ko-KR" altLang="en-US"/>
           </a:p>
         </p:txBody>
       </p:sp>
@@ -1883,7 +1884,7 @@
           <a:p>
             <a:fld id="{AEDFB97F-004E-4AF4-871B-DB3CA4280134}" type="datetimeFigureOut">
               <a:rPr lang="ko-KR" altLang="en-US" smtClean="0"/>
-              <a:t>2020-08-04</a:t>
+              <a:t>2023-04-25</a:t>
             </a:fld>
             <a:endParaRPr lang="ko-KR" altLang="en-US"/>
           </a:p>
@@ -1978,7 +1979,7 @@
           <a:p>
             <a:fld id="{AEDFB97F-004E-4AF4-871B-DB3CA4280134}" type="datetimeFigureOut">
               <a:rPr lang="ko-KR" altLang="en-US" smtClean="0"/>
-              <a:t>2020-08-04</a:t>
+              <a:t>2023-04-25</a:t>
             </a:fld>
             <a:endParaRPr lang="ko-KR" altLang="en-US"/>
           </a:p>
@@ -2081,10 +2082,9 @@
           </a:lstStyle>
           <a:p>
             <a:r>
-              <a:rPr lang="ko-KR" altLang="en-US" smtClean="0"/>
+              <a:rPr lang="ko-KR" altLang="en-US"/>
               <a:t>마스터 제목 스타일 편집</a:t>
             </a:r>
-            <a:endParaRPr lang="ko-KR" altLang="en-US"/>
           </a:p>
         </p:txBody>
       </p:sp>
@@ -2138,38 +2138,37 @@
           <a:p>
             <a:pPr lvl="0"/>
             <a:r>
-              <a:rPr lang="ko-KR" altLang="en-US" smtClean="0"/>
+              <a:rPr lang="ko-KR" altLang="en-US"/>
               <a:t>마스터 텍스트 스타일을 편집합니다</a:t>
             </a:r>
           </a:p>
           <a:p>
             <a:pPr lvl="1"/>
             <a:r>
-              <a:rPr lang="ko-KR" altLang="en-US" smtClean="0"/>
+              <a:rPr lang="ko-KR" altLang="en-US"/>
               <a:t>둘째 수준</a:t>
             </a:r>
           </a:p>
           <a:p>
             <a:pPr lvl="2"/>
             <a:r>
-              <a:rPr lang="ko-KR" altLang="en-US" smtClean="0"/>
+              <a:rPr lang="ko-KR" altLang="en-US"/>
               <a:t>셋째 수준</a:t>
             </a:r>
           </a:p>
           <a:p>
             <a:pPr lvl="3"/>
             <a:r>
-              <a:rPr lang="ko-KR" altLang="en-US" smtClean="0"/>
+              <a:rPr lang="ko-KR" altLang="en-US"/>
               <a:t>넷째 수준</a:t>
             </a:r>
           </a:p>
           <a:p>
             <a:pPr lvl="4"/>
             <a:r>
-              <a:rPr lang="ko-KR" altLang="en-US" smtClean="0"/>
+              <a:rPr lang="ko-KR" altLang="en-US"/>
               <a:t>다섯째 수준</a:t>
             </a:r>
-            <a:endParaRPr lang="ko-KR" altLang="en-US"/>
           </a:p>
         </p:txBody>
       </p:sp>
@@ -2232,7 +2231,7 @@
           <a:p>
             <a:pPr lvl="0"/>
             <a:r>
-              <a:rPr lang="ko-KR" altLang="en-US" smtClean="0"/>
+              <a:rPr lang="ko-KR" altLang="en-US"/>
               <a:t>마스터 텍스트 스타일을 편집합니다</a:t>
             </a:r>
           </a:p>
@@ -2255,7 +2254,7 @@
           <a:p>
             <a:fld id="{AEDFB97F-004E-4AF4-871B-DB3CA4280134}" type="datetimeFigureOut">
               <a:rPr lang="ko-KR" altLang="en-US" smtClean="0"/>
-              <a:t>2020-08-04</a:t>
+              <a:t>2023-04-25</a:t>
             </a:fld>
             <a:endParaRPr lang="ko-KR" altLang="en-US"/>
           </a:p>
@@ -2358,10 +2357,9 @@
           </a:lstStyle>
           <a:p>
             <a:r>
-              <a:rPr lang="ko-KR" altLang="en-US" smtClean="0"/>
+              <a:rPr lang="ko-KR" altLang="en-US"/>
               <a:t>마스터 제목 스타일 편집</a:t>
             </a:r>
-            <a:endParaRPr lang="ko-KR" altLang="en-US"/>
           </a:p>
         </p:txBody>
       </p:sp>
@@ -2485,7 +2483,7 @@
           <a:p>
             <a:pPr lvl="0"/>
             <a:r>
-              <a:rPr lang="ko-KR" altLang="en-US" smtClean="0"/>
+              <a:rPr lang="ko-KR" altLang="en-US"/>
               <a:t>마스터 텍스트 스타일을 편집합니다</a:t>
             </a:r>
           </a:p>
@@ -2508,7 +2506,7 @@
           <a:p>
             <a:fld id="{AEDFB97F-004E-4AF4-871B-DB3CA4280134}" type="datetimeFigureOut">
               <a:rPr lang="ko-KR" altLang="en-US" smtClean="0"/>
-              <a:t>2020-08-04</a:t>
+              <a:t>2023-04-25</a:t>
             </a:fld>
             <a:endParaRPr lang="ko-KR" altLang="en-US"/>
           </a:p>
@@ -2617,10 +2615,9 @@
           <a:lstStyle/>
           <a:p>
             <a:r>
-              <a:rPr lang="ko-KR" altLang="en-US" smtClean="0"/>
+              <a:rPr lang="ko-KR" altLang="en-US"/>
               <a:t>마스터 제목 스타일 편집</a:t>
             </a:r>
-            <a:endParaRPr lang="ko-KR" altLang="en-US"/>
           </a:p>
         </p:txBody>
       </p:sp>
@@ -2651,38 +2648,37 @@
           <a:p>
             <a:pPr lvl="0"/>
             <a:r>
-              <a:rPr lang="ko-KR" altLang="en-US" smtClean="0"/>
+              <a:rPr lang="ko-KR" altLang="en-US"/>
               <a:t>마스터 텍스트 스타일을 편집합니다</a:t>
             </a:r>
           </a:p>
           <a:p>
             <a:pPr lvl="1"/>
             <a:r>
-              <a:rPr lang="ko-KR" altLang="en-US" smtClean="0"/>
+              <a:rPr lang="ko-KR" altLang="en-US"/>
               <a:t>둘째 수준</a:t>
             </a:r>
           </a:p>
           <a:p>
             <a:pPr lvl="2"/>
             <a:r>
-              <a:rPr lang="ko-KR" altLang="en-US" smtClean="0"/>
+              <a:rPr lang="ko-KR" altLang="en-US"/>
               <a:t>셋째 수준</a:t>
             </a:r>
           </a:p>
           <a:p>
             <a:pPr lvl="3"/>
             <a:r>
-              <a:rPr lang="ko-KR" altLang="en-US" smtClean="0"/>
+              <a:rPr lang="ko-KR" altLang="en-US"/>
               <a:t>넷째 수준</a:t>
             </a:r>
           </a:p>
           <a:p>
             <a:pPr lvl="4"/>
             <a:r>
-              <a:rPr lang="ko-KR" altLang="en-US" smtClean="0"/>
+              <a:rPr lang="ko-KR" altLang="en-US"/>
               <a:t>다섯째 수준</a:t>
             </a:r>
-            <a:endParaRPr lang="ko-KR" altLang="en-US"/>
           </a:p>
         </p:txBody>
       </p:sp>
@@ -2721,7 +2717,7 @@
           <a:p>
             <a:fld id="{AEDFB97F-004E-4AF4-871B-DB3CA4280134}" type="datetimeFigureOut">
               <a:rPr lang="ko-KR" altLang="en-US" smtClean="0"/>
-              <a:t>2020-08-04</a:t>
+              <a:t>2023-04-25</a:t>
             </a:fld>
             <a:endParaRPr lang="ko-KR" altLang="en-US"/>
           </a:p>
@@ -3096,8 +3092,8 @@
           <a:chExt cx="0" cy="0"/>
         </a:xfrm>
       </p:grpSpPr>
-      <mc:AlternateContent xmlns:mc="http://schemas.openxmlformats.org/markup-compatibility/2006">
-        <mc:Choice xmlns:a14="http://schemas.microsoft.com/office/drawing/2010/main" Requires="a14">
+      <mc:AlternateContent xmlns:mc="http://schemas.openxmlformats.org/markup-compatibility/2006" xmlns:a14="http://schemas.microsoft.com/office/drawing/2010/main">
+        <mc:Choice Requires="a14">
           <p:graphicFrame>
             <p:nvGraphicFramePr>
               <p:cNvPr id="4" name="표 3"/>
@@ -3123,9 +3119,27 @@
                     <a:tableStyleId>{C083E6E3-FA7D-4D7B-A595-EF9225AFEA82}</a:tableStyleId>
                   </a:tblPr>
                   <a:tblGrid>
-                    <a:gridCol w="2024112"/>
-                    <a:gridCol w="2024112"/>
-                    <a:gridCol w="2024112"/>
+                    <a:gridCol w="2024112">
+                      <a:extLst>
+                        <a:ext uri="{9D8B030D-6E8A-4147-A177-3AD203B41FA5}">
+                          <a16:colId xmlns:a16="http://schemas.microsoft.com/office/drawing/2014/main" val="20000"/>
+                        </a:ext>
+                      </a:extLst>
+                    </a:gridCol>
+                    <a:gridCol w="2024112">
+                      <a:extLst>
+                        <a:ext uri="{9D8B030D-6E8A-4147-A177-3AD203B41FA5}">
+                          <a16:colId xmlns:a16="http://schemas.microsoft.com/office/drawing/2014/main" val="20001"/>
+                        </a:ext>
+                      </a:extLst>
+                    </a:gridCol>
+                    <a:gridCol w="2024112">
+                      <a:extLst>
+                        <a:ext uri="{9D8B030D-6E8A-4147-A177-3AD203B41FA5}">
+                          <a16:colId xmlns:a16="http://schemas.microsoft.com/office/drawing/2014/main" val="20002"/>
+                        </a:ext>
+                      </a:extLst>
+                    </a:gridCol>
                   </a:tblGrid>
                   <a:tr h="562006">
                     <a:tc>
@@ -3135,7 +3149,7 @@
                         <a:p>
                           <a:pPr algn="ctr" latinLnBrk="1"/>
                           <a:r>
-                            <a:rPr lang="ko-KR" altLang="en-US" sz="1600" dirty="0" smtClean="0"/>
+                            <a:rPr lang="ko-KR" altLang="en-US" sz="1600" dirty="0"/>
                             <a:t>구분</a:t>
                           </a:r>
                           <a:endParaRPr lang="ko-KR" altLang="en-US" sz="1600" b="0" dirty="0"/>
@@ -3150,7 +3164,7 @@
                         <a:p>
                           <a:pPr algn="ctr" latinLnBrk="1"/>
                           <a:r>
-                            <a:rPr lang="ko-KR" altLang="en-US" sz="1600" dirty="0" smtClean="0"/>
+                            <a:rPr lang="ko-KR" altLang="en-US" sz="1600" dirty="0"/>
                             <a:t>정적분</a:t>
                           </a:r>
                           <a:endParaRPr lang="ko-KR" altLang="en-US" sz="1600" b="0" dirty="0"/>
@@ -3165,7 +3179,7 @@
                         <a:p>
                           <a:pPr algn="ctr" latinLnBrk="1"/>
                           <a:r>
-                            <a:rPr lang="ko-KR" altLang="en-US" sz="1600" dirty="0" smtClean="0"/>
+                            <a:rPr lang="ko-KR" altLang="en-US" sz="1600" dirty="0"/>
                             <a:t>중적분</a:t>
                           </a:r>
                           <a:endParaRPr lang="ko-KR" altLang="en-US" sz="1600" b="0" dirty="0"/>
@@ -3173,6 +3187,11 @@
                       </a:txBody>
                       <a:tcPr anchor="ctr"/>
                     </a:tc>
+                    <a:extLst>
+                      <a:ext uri="{0D108BD9-81ED-4DB2-BD59-A6C34878D82A}">
+                        <a16:rowId xmlns:a16="http://schemas.microsoft.com/office/drawing/2014/main" val="10000"/>
+                      </a:ext>
+                    </a:extLst>
                   </a:tr>
                   <a:tr h="562006">
                     <a:tc>
@@ -3182,15 +3201,15 @@
                         <a:p>
                           <a:pPr algn="ctr" latinLnBrk="1"/>
                           <a:r>
-                            <a:rPr lang="ko-KR" altLang="en-US" sz="1600" dirty="0" smtClean="0"/>
+                            <a:rPr lang="ko-KR" altLang="en-US" sz="1600" dirty="0"/>
                             <a:t>미소길이</a:t>
                           </a:r>
                           <a:r>
-                            <a:rPr lang="en-US" altLang="ko-KR" sz="1600" dirty="0" smtClean="0"/>
+                            <a:rPr lang="en-US" altLang="ko-KR" sz="1600" dirty="0"/>
                             <a:t>/</a:t>
                           </a:r>
                           <a:r>
-                            <a:rPr lang="ko-KR" altLang="en-US" sz="1600" dirty="0" smtClean="0"/>
+                            <a:rPr lang="ko-KR" altLang="en-US" sz="1600" dirty="0"/>
                             <a:t>면적</a:t>
                           </a:r>
                           <a:endParaRPr lang="ko-KR" altLang="en-US" sz="1600" b="0" dirty="0"/>
@@ -3214,11 +3233,15 @@
                                   <m:rPr>
                                     <m:sty m:val="p"/>
                                   </m:rPr>
-                                  <a:rPr lang="en-US" altLang="ko-KR" sz="1600" smtClean="0"/>
+                                  <a:rPr lang="en-US" altLang="ko-KR" sz="1600" smtClean="0">
+                                    <a:latin typeface="Cambria Math" panose="02040503050406030204" pitchFamily="18" charset="0"/>
+                                  </a:rPr>
                                   <m:t>Δ</m:t>
                                 </m:r>
                                 <m:r>
-                                  <a:rPr lang="en-US" altLang="ko-KR" sz="1600" smtClean="0"/>
+                                  <a:rPr lang="en-US" altLang="ko-KR" sz="1600" smtClean="0">
+                                    <a:latin typeface="Cambria Math" panose="02040503050406030204" pitchFamily="18" charset="0"/>
+                                  </a:rPr>
                                   <m:t>𝑥</m:t>
                                 </m:r>
                               </m:oMath>
@@ -3245,37 +3268,51 @@
                                   <m:rPr>
                                     <m:sty m:val="p"/>
                                   </m:rPr>
-                                  <a:rPr lang="en-US" altLang="ko-KR" sz="1600" smtClean="0"/>
+                                  <a:rPr lang="en-US" altLang="ko-KR" sz="1600" smtClean="0">
+                                    <a:latin typeface="Cambria Math" panose="02040503050406030204" pitchFamily="18" charset="0"/>
+                                  </a:rPr>
                                   <m:t>Δ</m:t>
                                 </m:r>
                                 <m:r>
-                                  <a:rPr lang="en-US" altLang="ko-KR" sz="1600" smtClean="0"/>
+                                  <a:rPr lang="en-US" altLang="ko-KR" sz="1600" smtClean="0">
+                                    <a:latin typeface="Cambria Math" panose="02040503050406030204" pitchFamily="18" charset="0"/>
+                                  </a:rPr>
                                   <m:t>𝑥</m:t>
                                 </m:r>
                                 <m:r>
                                   <m:rPr>
                                     <m:sty m:val="p"/>
                                   </m:rPr>
-                                  <a:rPr lang="en-US" altLang="ko-KR" sz="1600" smtClean="0"/>
+                                  <a:rPr lang="en-US" altLang="ko-KR" sz="1600" smtClean="0">
+                                    <a:latin typeface="Cambria Math" panose="02040503050406030204" pitchFamily="18" charset="0"/>
+                                  </a:rPr>
                                   <m:t>Δ</m:t>
                                 </m:r>
                                 <m:r>
-                                  <a:rPr lang="en-US" altLang="ko-KR" sz="1600" smtClean="0"/>
+                                  <a:rPr lang="en-US" altLang="ko-KR" sz="1600" smtClean="0">
+                                    <a:latin typeface="Cambria Math" panose="02040503050406030204" pitchFamily="18" charset="0"/>
+                                  </a:rPr>
                                   <m:t>𝑦</m:t>
                                 </m:r>
                                 <m:r>
-                                  <a:rPr lang="en-US" altLang="ko-KR" sz="1600" smtClean="0"/>
+                                  <a:rPr lang="en-US" altLang="ko-KR" sz="1600" smtClean="0">
+                                    <a:latin typeface="Cambria Math" panose="02040503050406030204" pitchFamily="18" charset="0"/>
+                                  </a:rPr>
                                   <m:t>=</m:t>
                                 </m:r>
                                 <m:r>
                                   <m:rPr>
                                     <m:sty m:val="p"/>
                                   </m:rPr>
-                                  <a:rPr lang="en-US" altLang="ko-KR" sz="1600" smtClean="0"/>
+                                  <a:rPr lang="en-US" altLang="ko-KR" sz="1600" smtClean="0">
+                                    <a:latin typeface="Cambria Math" panose="02040503050406030204" pitchFamily="18" charset="0"/>
+                                  </a:rPr>
                                   <m:t>Δ</m:t>
                                 </m:r>
                                 <m:r>
-                                  <a:rPr lang="en-US" altLang="ko-KR" sz="1600" smtClean="0"/>
+                                  <a:rPr lang="en-US" altLang="ko-KR" sz="1600" smtClean="0">
+                                    <a:latin typeface="Cambria Math" panose="02040503050406030204" pitchFamily="18" charset="0"/>
+                                  </a:rPr>
                                   <m:t>𝐴</m:t>
                                 </m:r>
                               </m:oMath>
@@ -3286,6 +3323,11 @@
                       </a:txBody>
                       <a:tcPr anchor="ctr"/>
                     </a:tc>
+                    <a:extLst>
+                      <a:ext uri="{0D108BD9-81ED-4DB2-BD59-A6C34878D82A}">
+                        <a16:rowId xmlns:a16="http://schemas.microsoft.com/office/drawing/2014/main" val="10001"/>
+                      </a:ext>
+                    </a:extLst>
                   </a:tr>
                   <a:tr h="562006">
                     <a:tc>
@@ -3295,7 +3337,7 @@
                         <a:p>
                           <a:pPr algn="ctr" latinLnBrk="1"/>
                           <a:r>
-                            <a:rPr lang="ko-KR" altLang="en-US" sz="1600" dirty="0" smtClean="0"/>
+                            <a:rPr lang="ko-KR" altLang="en-US" sz="1600" dirty="0"/>
                             <a:t>합치는 대상</a:t>
                           </a:r>
                           <a:endParaRPr lang="ko-KR" altLang="en-US" sz="1600" b="0" dirty="0"/>
@@ -3310,7 +3352,7 @@
                         <a:p>
                           <a:pPr algn="ctr" latinLnBrk="1"/>
                           <a:r>
-                            <a:rPr lang="ko-KR" altLang="en-US" sz="1600" dirty="0" smtClean="0"/>
+                            <a:rPr lang="ko-KR" altLang="en-US" sz="1600" dirty="0"/>
                             <a:t>작은 사각형의 넓이</a:t>
                           </a:r>
                           <a:endParaRPr lang="ko-KR" altLang="en-US" sz="1600" b="0" dirty="0"/>
@@ -3325,7 +3367,7 @@
                         <a:p>
                           <a:pPr algn="ctr" latinLnBrk="1"/>
                           <a:r>
-                            <a:rPr lang="ko-KR" altLang="en-US" sz="1600" dirty="0" smtClean="0"/>
+                            <a:rPr lang="ko-KR" altLang="en-US" sz="1600" dirty="0"/>
                             <a:t>작은 막대기의 부피</a:t>
                           </a:r>
                           <a:endParaRPr lang="ko-KR" altLang="en-US" sz="1600" b="0" dirty="0"/>
@@ -3333,6 +3375,11 @@
                       </a:txBody>
                       <a:tcPr anchor="ctr"/>
                     </a:tc>
+                    <a:extLst>
+                      <a:ext uri="{0D108BD9-81ED-4DB2-BD59-A6C34878D82A}">
+                        <a16:rowId xmlns:a16="http://schemas.microsoft.com/office/drawing/2014/main" val="10002"/>
+                      </a:ext>
+                    </a:extLst>
                   </a:tr>
                   <a:tr h="562006">
                     <a:tc>
@@ -3342,7 +3389,7 @@
                         <a:p>
                           <a:pPr algn="ctr" latinLnBrk="1"/>
                           <a:r>
-                            <a:rPr lang="ko-KR" altLang="en-US" sz="1600" dirty="0" smtClean="0"/>
+                            <a:rPr lang="ko-KR" altLang="en-US" sz="1600" dirty="0"/>
                             <a:t>함수의 형태</a:t>
                           </a:r>
                           <a:endParaRPr lang="ko-KR" altLang="en-US" sz="1600" b="0" dirty="0"/>
@@ -3363,27 +3410,39 @@
                               </m:oMathParaPr>
                               <m:oMath xmlns:m="http://schemas.openxmlformats.org/officeDocument/2006/math">
                                 <m:r>
-                                  <a:rPr lang="en-US" altLang="ko-KR" sz="1600" smtClean="0"/>
+                                  <a:rPr lang="en-US" altLang="ko-KR" sz="1600" smtClean="0">
+                                    <a:latin typeface="Cambria Math" panose="02040503050406030204" pitchFamily="18" charset="0"/>
+                                  </a:rPr>
                                   <m:t>𝑦</m:t>
                                 </m:r>
                                 <m:r>
-                                  <a:rPr lang="en-US" altLang="ko-KR" sz="1600" smtClean="0"/>
+                                  <a:rPr lang="en-US" altLang="ko-KR" sz="1600" smtClean="0">
+                                    <a:latin typeface="Cambria Math" panose="02040503050406030204" pitchFamily="18" charset="0"/>
+                                  </a:rPr>
                                   <m:t>=</m:t>
                                 </m:r>
                                 <m:r>
-                                  <a:rPr lang="en-US" altLang="ko-KR" sz="1600" smtClean="0"/>
+                                  <a:rPr lang="en-US" altLang="ko-KR" sz="1600" smtClean="0">
+                                    <a:latin typeface="Cambria Math" panose="02040503050406030204" pitchFamily="18" charset="0"/>
+                                  </a:rPr>
                                   <m:t>𝑓</m:t>
                                 </m:r>
                                 <m:r>
-                                  <a:rPr lang="en-US" altLang="ko-KR" sz="1600" smtClean="0"/>
+                                  <a:rPr lang="en-US" altLang="ko-KR" sz="1600" smtClean="0">
+                                    <a:latin typeface="Cambria Math" panose="02040503050406030204" pitchFamily="18" charset="0"/>
+                                  </a:rPr>
                                   <m:t>(</m:t>
                                 </m:r>
                                 <m:r>
-                                  <a:rPr lang="en-US" altLang="ko-KR" sz="1600" smtClean="0"/>
+                                  <a:rPr lang="en-US" altLang="ko-KR" sz="1600" smtClean="0">
+                                    <a:latin typeface="Cambria Math" panose="02040503050406030204" pitchFamily="18" charset="0"/>
+                                  </a:rPr>
                                   <m:t>𝑥</m:t>
                                 </m:r>
                                 <m:r>
-                                  <a:rPr lang="en-US" altLang="ko-KR" sz="1600" smtClean="0"/>
+                                  <a:rPr lang="en-US" altLang="ko-KR" sz="1600" smtClean="0">
+                                    <a:latin typeface="Cambria Math" panose="02040503050406030204" pitchFamily="18" charset="0"/>
+                                  </a:rPr>
                                   <m:t>)</m:t>
                                 </m:r>
                               </m:oMath>
@@ -3407,35 +3466,51 @@
                               </m:oMathParaPr>
                               <m:oMath xmlns:m="http://schemas.openxmlformats.org/officeDocument/2006/math">
                                 <m:r>
-                                  <a:rPr lang="en-US" altLang="ko-KR" sz="1600" smtClean="0"/>
+                                  <a:rPr lang="en-US" altLang="ko-KR" sz="1600" smtClean="0">
+                                    <a:latin typeface="Cambria Math" panose="02040503050406030204" pitchFamily="18" charset="0"/>
+                                  </a:rPr>
                                   <m:t>𝑧</m:t>
                                 </m:r>
                                 <m:r>
-                                  <a:rPr lang="en-US" altLang="ko-KR" sz="1600" smtClean="0"/>
+                                  <a:rPr lang="en-US" altLang="ko-KR" sz="1600" smtClean="0">
+                                    <a:latin typeface="Cambria Math" panose="02040503050406030204" pitchFamily="18" charset="0"/>
+                                  </a:rPr>
                                   <m:t>=</m:t>
                                 </m:r>
                                 <m:r>
-                                  <a:rPr lang="en-US" altLang="ko-KR" sz="1600" smtClean="0"/>
+                                  <a:rPr lang="en-US" altLang="ko-KR" sz="1600" smtClean="0">
+                                    <a:latin typeface="Cambria Math" panose="02040503050406030204" pitchFamily="18" charset="0"/>
+                                  </a:rPr>
                                   <m:t>𝑓</m:t>
                                 </m:r>
                                 <m:r>
-                                  <a:rPr lang="en-US" altLang="ko-KR" sz="1600" smtClean="0"/>
+                                  <a:rPr lang="en-US" altLang="ko-KR" sz="1600" smtClean="0">
+                                    <a:latin typeface="Cambria Math" panose="02040503050406030204" pitchFamily="18" charset="0"/>
+                                  </a:rPr>
                                   <m:t>(</m:t>
                                 </m:r>
                                 <m:r>
-                                  <a:rPr lang="en-US" altLang="ko-KR" sz="1600" smtClean="0"/>
+                                  <a:rPr lang="en-US" altLang="ko-KR" sz="1600" smtClean="0">
+                                    <a:latin typeface="Cambria Math" panose="02040503050406030204" pitchFamily="18" charset="0"/>
+                                  </a:rPr>
                                   <m:t>𝑥</m:t>
                                 </m:r>
                                 <m:r>
-                                  <a:rPr lang="en-US" altLang="ko-KR" sz="1600" smtClean="0"/>
+                                  <a:rPr lang="en-US" altLang="ko-KR" sz="1600" smtClean="0">
+                                    <a:latin typeface="Cambria Math" panose="02040503050406030204" pitchFamily="18" charset="0"/>
+                                  </a:rPr>
                                   <m:t>,</m:t>
                                 </m:r>
                                 <m:r>
-                                  <a:rPr lang="en-US" altLang="ko-KR" sz="1600" smtClean="0"/>
+                                  <a:rPr lang="en-US" altLang="ko-KR" sz="1600" smtClean="0">
+                                    <a:latin typeface="Cambria Math" panose="02040503050406030204" pitchFamily="18" charset="0"/>
+                                  </a:rPr>
                                   <m:t>𝑦</m:t>
                                 </m:r>
                                 <m:r>
-                                  <a:rPr lang="en-US" altLang="ko-KR" sz="1600" smtClean="0"/>
+                                  <a:rPr lang="en-US" altLang="ko-KR" sz="1600" smtClean="0">
+                                    <a:latin typeface="Cambria Math" panose="02040503050406030204" pitchFamily="18" charset="0"/>
+                                  </a:rPr>
                                   <m:t>)</m:t>
                                 </m:r>
                               </m:oMath>
@@ -3446,13 +3521,18 @@
                       </a:txBody>
                       <a:tcPr anchor="ctr"/>
                     </a:tc>
+                    <a:extLst>
+                      <a:ext uri="{0D108BD9-81ED-4DB2-BD59-A6C34878D82A}">
+                        <a16:rowId xmlns:a16="http://schemas.microsoft.com/office/drawing/2014/main" val="10003"/>
+                      </a:ext>
+                    </a:extLst>
                   </a:tr>
                 </a:tbl>
               </a:graphicData>
             </a:graphic>
           </p:graphicFrame>
         </mc:Choice>
-        <mc:Fallback>
+        <mc:Fallback xmlns="">
           <p:graphicFrame>
             <p:nvGraphicFramePr>
               <p:cNvPr id="4" name="표 3"/>
@@ -3722,6 +3802,770 @@
           <a:chExt cx="0" cy="0"/>
         </a:xfrm>
       </p:grpSpPr>
+      <mc:AlternateContent xmlns:mc="http://schemas.openxmlformats.org/markup-compatibility/2006">
+        <mc:Choice xmlns:a14="http://schemas.microsoft.com/office/drawing/2010/main" Requires="a14">
+          <p:graphicFrame>
+            <p:nvGraphicFramePr>
+              <p:cNvPr id="4" name="표 3"/>
+              <p:cNvGraphicFramePr>
+                <a:graphicFrameLocks noGrp="1"/>
+              </p:cNvGraphicFramePr>
+              <p:nvPr>
+                <p:extLst>
+                  <p:ext uri="{D42A27DB-BD31-4B8C-83A1-F6EECF244321}">
+                    <p14:modId xmlns:p14="http://schemas.microsoft.com/office/powerpoint/2010/main" val="4254801804"/>
+                  </p:ext>
+                </p:extLst>
+              </p:nvPr>
+            </p:nvGraphicFramePr>
+            <p:xfrm>
+              <a:off x="1524000" y="1397000"/>
+              <a:ext cx="6072336" cy="2299366"/>
+            </p:xfrm>
+            <a:graphic>
+              <a:graphicData uri="http://schemas.openxmlformats.org/drawingml/2006/table">
+                <a:tbl>
+                  <a:tblPr firstRow="1" bandRow="1">
+                    <a:tableStyleId>{C083E6E3-FA7D-4D7B-A595-EF9225AFEA82}</a:tableStyleId>
+                  </a:tblPr>
+                  <a:tblGrid>
+                    <a:gridCol w="2024112">
+                      <a:extLst>
+                        <a:ext uri="{9D8B030D-6E8A-4147-A177-3AD203B41FA5}">
+                          <a16:colId xmlns:a16="http://schemas.microsoft.com/office/drawing/2014/main" val="20000"/>
+                        </a:ext>
+                      </a:extLst>
+                    </a:gridCol>
+                    <a:gridCol w="2024112">
+                      <a:extLst>
+                        <a:ext uri="{9D8B030D-6E8A-4147-A177-3AD203B41FA5}">
+                          <a16:colId xmlns:a16="http://schemas.microsoft.com/office/drawing/2014/main" val="20001"/>
+                        </a:ext>
+                      </a:extLst>
+                    </a:gridCol>
+                    <a:gridCol w="2024112">
+                      <a:extLst>
+                        <a:ext uri="{9D8B030D-6E8A-4147-A177-3AD203B41FA5}">
+                          <a16:colId xmlns:a16="http://schemas.microsoft.com/office/drawing/2014/main" val="20002"/>
+                        </a:ext>
+                      </a:extLst>
+                    </a:gridCol>
+                  </a:tblGrid>
+                  <a:tr h="562006">
+                    <a:tc>
+                      <a:txBody>
+                        <a:bodyPr/>
+                        <a:lstStyle/>
+                        <a:p>
+                          <a:pPr algn="ctr" latinLnBrk="1"/>
+                          <a:r>
+                            <a:rPr lang="en-US" altLang="ko-KR" sz="1600" b="0" dirty="0"/>
+                            <a:t>Section</a:t>
+                          </a:r>
+                          <a:endParaRPr lang="ko-KR" altLang="en-US" sz="1600" b="0" dirty="0"/>
+                        </a:p>
+                      </a:txBody>
+                      <a:tcPr anchor="ctr"/>
+                    </a:tc>
+                    <a:tc>
+                      <a:txBody>
+                        <a:bodyPr/>
+                        <a:lstStyle/>
+                        <a:p>
+                          <a:pPr algn="ctr" latinLnBrk="1"/>
+                          <a:r>
+                            <a:rPr lang="en-US" altLang="ko-KR" sz="1600" b="0" dirty="0"/>
+                            <a:t>Definite</a:t>
+                          </a:r>
+                          <a:r>
+                            <a:rPr lang="ko-KR" altLang="en-US" sz="1600" b="0" dirty="0"/>
+                            <a:t> </a:t>
+                          </a:r>
+                          <a:r>
+                            <a:rPr lang="en-US" altLang="ko-KR" sz="1600" b="0" dirty="0"/>
+                            <a:t>Integral</a:t>
+                          </a:r>
+                          <a:endParaRPr lang="ko-KR" altLang="en-US" sz="1600" b="0" dirty="0"/>
+                        </a:p>
+                      </a:txBody>
+                      <a:tcPr anchor="ctr"/>
+                    </a:tc>
+                    <a:tc>
+                      <a:txBody>
+                        <a:bodyPr/>
+                        <a:lstStyle/>
+                        <a:p>
+                          <a:pPr algn="ctr" latinLnBrk="1"/>
+                          <a:r>
+                            <a:rPr lang="en-US" altLang="ko-KR" sz="1600" b="0" dirty="0"/>
+                            <a:t>Double Integral</a:t>
+                          </a:r>
+                          <a:endParaRPr lang="ko-KR" altLang="en-US" sz="1600" b="0" dirty="0"/>
+                        </a:p>
+                      </a:txBody>
+                      <a:tcPr anchor="ctr"/>
+                    </a:tc>
+                    <a:extLst>
+                      <a:ext uri="{0D108BD9-81ED-4DB2-BD59-A6C34878D82A}">
+                        <a16:rowId xmlns:a16="http://schemas.microsoft.com/office/drawing/2014/main" val="10000"/>
+                      </a:ext>
+                    </a:extLst>
+                  </a:tr>
+                  <a:tr h="562006">
+                    <a:tc>
+                      <a:txBody>
+                        <a:bodyPr/>
+                        <a:lstStyle/>
+                        <a:p>
+                          <a:pPr algn="ctr" latinLnBrk="1"/>
+                          <a:r>
+                            <a:rPr lang="en-US" altLang="ko-KR" sz="1600" dirty="0"/>
+                            <a:t>Infinitesimal length/area</a:t>
+                          </a:r>
+                          <a:endParaRPr lang="ko-KR" altLang="en-US" sz="1600" b="0" dirty="0"/>
+                        </a:p>
+                      </a:txBody>
+                      <a:tcPr anchor="ctr"/>
+                    </a:tc>
+                    <a:tc>
+                      <a:txBody>
+                        <a:bodyPr/>
+                        <a:lstStyle/>
+                        <a:p>
+                          <a:pPr algn="ctr" latinLnBrk="1"/>
+                          <a14:m>
+                            <m:oMathPara xmlns:m="http://schemas.openxmlformats.org/officeDocument/2006/math">
+                              <m:oMathParaPr>
+                                <m:jc m:val="centerGroup"/>
+                              </m:oMathParaPr>
+                              <m:oMath xmlns:m="http://schemas.openxmlformats.org/officeDocument/2006/math">
+                                <m:r>
+                                  <m:rPr>
+                                    <m:sty m:val="p"/>
+                                  </m:rPr>
+                                  <a:rPr lang="en-US" altLang="ko-KR" sz="1600" smtClean="0">
+                                    <a:latin typeface="Cambria Math" panose="02040503050406030204" pitchFamily="18" charset="0"/>
+                                  </a:rPr>
+                                  <m:t>Δ</m:t>
+                                </m:r>
+                                <m:r>
+                                  <a:rPr lang="en-US" altLang="ko-KR" sz="1600" smtClean="0">
+                                    <a:latin typeface="Cambria Math" panose="02040503050406030204" pitchFamily="18" charset="0"/>
+                                  </a:rPr>
+                                  <m:t>𝑥</m:t>
+                                </m:r>
+                              </m:oMath>
+                            </m:oMathPara>
+                          </a14:m>
+                          <a:endParaRPr lang="ko-KR" altLang="en-US" sz="1600" b="0" dirty="0"/>
+                        </a:p>
+                      </a:txBody>
+                      <a:tcPr anchor="ctr"/>
+                    </a:tc>
+                    <a:tc>
+                      <a:txBody>
+                        <a:bodyPr/>
+                        <a:lstStyle/>
+                        <a:p>
+                          <a:pPr algn="ctr" latinLnBrk="1"/>
+                          <a14:m>
+                            <m:oMathPara xmlns:m="http://schemas.openxmlformats.org/officeDocument/2006/math">
+                              <m:oMathParaPr>
+                                <m:jc m:val="centerGroup"/>
+                              </m:oMathParaPr>
+                              <m:oMath xmlns:m="http://schemas.openxmlformats.org/officeDocument/2006/math">
+                                <m:r>
+                                  <m:rPr>
+                                    <m:sty m:val="p"/>
+                                  </m:rPr>
+                                  <a:rPr lang="en-US" altLang="ko-KR" sz="1600" smtClean="0">
+                                    <a:latin typeface="Cambria Math" panose="02040503050406030204" pitchFamily="18" charset="0"/>
+                                  </a:rPr>
+                                  <m:t>Δ</m:t>
+                                </m:r>
+                                <m:r>
+                                  <a:rPr lang="en-US" altLang="ko-KR" sz="1600" smtClean="0">
+                                    <a:latin typeface="Cambria Math" panose="02040503050406030204" pitchFamily="18" charset="0"/>
+                                  </a:rPr>
+                                  <m:t>𝑥</m:t>
+                                </m:r>
+                                <m:r>
+                                  <m:rPr>
+                                    <m:sty m:val="p"/>
+                                  </m:rPr>
+                                  <a:rPr lang="en-US" altLang="ko-KR" sz="1600" smtClean="0">
+                                    <a:latin typeface="Cambria Math" panose="02040503050406030204" pitchFamily="18" charset="0"/>
+                                  </a:rPr>
+                                  <m:t>Δ</m:t>
+                                </m:r>
+                                <m:r>
+                                  <a:rPr lang="en-US" altLang="ko-KR" sz="1600" smtClean="0">
+                                    <a:latin typeface="Cambria Math" panose="02040503050406030204" pitchFamily="18" charset="0"/>
+                                  </a:rPr>
+                                  <m:t>𝑦</m:t>
+                                </m:r>
+                                <m:r>
+                                  <a:rPr lang="en-US" altLang="ko-KR" sz="1600" smtClean="0">
+                                    <a:latin typeface="Cambria Math" panose="02040503050406030204" pitchFamily="18" charset="0"/>
+                                  </a:rPr>
+                                  <m:t>=</m:t>
+                                </m:r>
+                                <m:r>
+                                  <m:rPr>
+                                    <m:sty m:val="p"/>
+                                  </m:rPr>
+                                  <a:rPr lang="en-US" altLang="ko-KR" sz="1600" smtClean="0">
+                                    <a:latin typeface="Cambria Math" panose="02040503050406030204" pitchFamily="18" charset="0"/>
+                                  </a:rPr>
+                                  <m:t>Δ</m:t>
+                                </m:r>
+                                <m:r>
+                                  <a:rPr lang="en-US" altLang="ko-KR" sz="1600" smtClean="0">
+                                    <a:latin typeface="Cambria Math" panose="02040503050406030204" pitchFamily="18" charset="0"/>
+                                  </a:rPr>
+                                  <m:t>𝐴</m:t>
+                                </m:r>
+                              </m:oMath>
+                            </m:oMathPara>
+                          </a14:m>
+                          <a:endParaRPr lang="ko-KR" altLang="en-US" sz="1600" b="0" dirty="0"/>
+                        </a:p>
+                      </a:txBody>
+                      <a:tcPr anchor="ctr"/>
+                    </a:tc>
+                    <a:extLst>
+                      <a:ext uri="{0D108BD9-81ED-4DB2-BD59-A6C34878D82A}">
+                        <a16:rowId xmlns:a16="http://schemas.microsoft.com/office/drawing/2014/main" val="10001"/>
+                      </a:ext>
+                    </a:extLst>
+                  </a:tr>
+                  <a:tr h="562006">
+                    <a:tc>
+                      <a:txBody>
+                        <a:bodyPr/>
+                        <a:lstStyle/>
+                        <a:p>
+                          <a:pPr algn="ctr" latinLnBrk="1"/>
+                          <a:r>
+                            <a:rPr lang="en-US" altLang="ko-KR" sz="1600" b="0" dirty="0"/>
+                            <a:t>Summed</a:t>
+                          </a:r>
+                          <a:r>
+                            <a:rPr lang="ko-KR" altLang="en-US" sz="1600" b="0" dirty="0"/>
+                            <a:t> </a:t>
+                          </a:r>
+                          <a:r>
+                            <a:rPr lang="en-US" altLang="ko-KR" sz="1600" b="0" dirty="0"/>
+                            <a:t>object</a:t>
+                          </a:r>
+                          <a:endParaRPr lang="ko-KR" altLang="en-US" sz="1600" b="0" dirty="0"/>
+                        </a:p>
+                      </a:txBody>
+                      <a:tcPr anchor="ctr"/>
+                    </a:tc>
+                    <a:tc>
+                      <a:txBody>
+                        <a:bodyPr/>
+                        <a:lstStyle/>
+                        <a:p>
+                          <a:pPr algn="ctr" latinLnBrk="1"/>
+                          <a:r>
+                            <a:rPr lang="en-US" altLang="ko-KR" sz="1600" dirty="0"/>
+                            <a:t>Area of small rectangles</a:t>
+                          </a:r>
+                          <a:endParaRPr lang="ko-KR" altLang="en-US" sz="1600" b="0" dirty="0"/>
+                        </a:p>
+                      </a:txBody>
+                      <a:tcPr anchor="ctr"/>
+                    </a:tc>
+                    <a:tc>
+                      <a:txBody>
+                        <a:bodyPr/>
+                        <a:lstStyle/>
+                        <a:p>
+                          <a:pPr algn="ctr" latinLnBrk="1"/>
+                          <a:r>
+                            <a:rPr lang="en-US" altLang="ko-KR" sz="1600" dirty="0"/>
+                            <a:t>Volume of small sticks</a:t>
+                          </a:r>
+                          <a:endParaRPr lang="ko-KR" altLang="en-US" sz="1600" b="0" dirty="0"/>
+                        </a:p>
+                      </a:txBody>
+                      <a:tcPr anchor="ctr"/>
+                    </a:tc>
+                    <a:extLst>
+                      <a:ext uri="{0D108BD9-81ED-4DB2-BD59-A6C34878D82A}">
+                        <a16:rowId xmlns:a16="http://schemas.microsoft.com/office/drawing/2014/main" val="10002"/>
+                      </a:ext>
+                    </a:extLst>
+                  </a:tr>
+                  <a:tr h="562006">
+                    <a:tc>
+                      <a:txBody>
+                        <a:bodyPr/>
+                        <a:lstStyle/>
+                        <a:p>
+                          <a:pPr algn="ctr" latinLnBrk="1"/>
+                          <a:r>
+                            <a:rPr lang="en-US" altLang="ko-KR" sz="1600" dirty="0"/>
+                            <a:t>How the function looks</a:t>
+                          </a:r>
+                          <a:endParaRPr lang="ko-KR" altLang="en-US" sz="1600" b="0" dirty="0"/>
+                        </a:p>
+                      </a:txBody>
+                      <a:tcPr anchor="ctr"/>
+                    </a:tc>
+                    <a:tc>
+                      <a:txBody>
+                        <a:bodyPr/>
+                        <a:lstStyle/>
+                        <a:p>
+                          <a:pPr algn="ctr" latinLnBrk="1"/>
+                          <a14:m>
+                            <m:oMathPara xmlns:m="http://schemas.openxmlformats.org/officeDocument/2006/math">
+                              <m:oMathParaPr>
+                                <m:jc m:val="centerGroup"/>
+                              </m:oMathParaPr>
+                              <m:oMath xmlns:m="http://schemas.openxmlformats.org/officeDocument/2006/math">
+                                <m:r>
+                                  <a:rPr lang="en-US" altLang="ko-KR" sz="1600" smtClean="0">
+                                    <a:latin typeface="Cambria Math" panose="02040503050406030204" pitchFamily="18" charset="0"/>
+                                  </a:rPr>
+                                  <m:t>𝑦</m:t>
+                                </m:r>
+                                <m:r>
+                                  <a:rPr lang="en-US" altLang="ko-KR" sz="1600" smtClean="0">
+                                    <a:latin typeface="Cambria Math" panose="02040503050406030204" pitchFamily="18" charset="0"/>
+                                  </a:rPr>
+                                  <m:t>=</m:t>
+                                </m:r>
+                                <m:r>
+                                  <a:rPr lang="en-US" altLang="ko-KR" sz="1600" smtClean="0">
+                                    <a:latin typeface="Cambria Math" panose="02040503050406030204" pitchFamily="18" charset="0"/>
+                                  </a:rPr>
+                                  <m:t>𝑓</m:t>
+                                </m:r>
+                                <m:r>
+                                  <a:rPr lang="en-US" altLang="ko-KR" sz="1600" smtClean="0">
+                                    <a:latin typeface="Cambria Math" panose="02040503050406030204" pitchFamily="18" charset="0"/>
+                                  </a:rPr>
+                                  <m:t>(</m:t>
+                                </m:r>
+                                <m:r>
+                                  <a:rPr lang="en-US" altLang="ko-KR" sz="1600" smtClean="0">
+                                    <a:latin typeface="Cambria Math" panose="02040503050406030204" pitchFamily="18" charset="0"/>
+                                  </a:rPr>
+                                  <m:t>𝑥</m:t>
+                                </m:r>
+                                <m:r>
+                                  <a:rPr lang="en-US" altLang="ko-KR" sz="1600" smtClean="0">
+                                    <a:latin typeface="Cambria Math" panose="02040503050406030204" pitchFamily="18" charset="0"/>
+                                  </a:rPr>
+                                  <m:t>)</m:t>
+                                </m:r>
+                              </m:oMath>
+                            </m:oMathPara>
+                          </a14:m>
+                          <a:endParaRPr lang="ko-KR" altLang="en-US" sz="1600" b="0" dirty="0"/>
+                        </a:p>
+                      </a:txBody>
+                      <a:tcPr anchor="ctr"/>
+                    </a:tc>
+                    <a:tc>
+                      <a:txBody>
+                        <a:bodyPr/>
+                        <a:lstStyle/>
+                        <a:p>
+                          <a:pPr algn="ctr" latinLnBrk="1"/>
+                          <a14:m>
+                            <m:oMathPara xmlns:m="http://schemas.openxmlformats.org/officeDocument/2006/math">
+                              <m:oMathParaPr>
+                                <m:jc m:val="centerGroup"/>
+                              </m:oMathParaPr>
+                              <m:oMath xmlns:m="http://schemas.openxmlformats.org/officeDocument/2006/math">
+                                <m:r>
+                                  <a:rPr lang="en-US" altLang="ko-KR" sz="1600" smtClean="0">
+                                    <a:latin typeface="Cambria Math" panose="02040503050406030204" pitchFamily="18" charset="0"/>
+                                  </a:rPr>
+                                  <m:t>𝑧</m:t>
+                                </m:r>
+                                <m:r>
+                                  <a:rPr lang="en-US" altLang="ko-KR" sz="1600" smtClean="0">
+                                    <a:latin typeface="Cambria Math" panose="02040503050406030204" pitchFamily="18" charset="0"/>
+                                  </a:rPr>
+                                  <m:t>=</m:t>
+                                </m:r>
+                                <m:r>
+                                  <a:rPr lang="en-US" altLang="ko-KR" sz="1600" smtClean="0">
+                                    <a:latin typeface="Cambria Math" panose="02040503050406030204" pitchFamily="18" charset="0"/>
+                                  </a:rPr>
+                                  <m:t>𝑓</m:t>
+                                </m:r>
+                                <m:r>
+                                  <a:rPr lang="en-US" altLang="ko-KR" sz="1600" smtClean="0">
+                                    <a:latin typeface="Cambria Math" panose="02040503050406030204" pitchFamily="18" charset="0"/>
+                                  </a:rPr>
+                                  <m:t>(</m:t>
+                                </m:r>
+                                <m:r>
+                                  <a:rPr lang="en-US" altLang="ko-KR" sz="1600" smtClean="0">
+                                    <a:latin typeface="Cambria Math" panose="02040503050406030204" pitchFamily="18" charset="0"/>
+                                  </a:rPr>
+                                  <m:t>𝑥</m:t>
+                                </m:r>
+                                <m:r>
+                                  <a:rPr lang="en-US" altLang="ko-KR" sz="1600" smtClean="0">
+                                    <a:latin typeface="Cambria Math" panose="02040503050406030204" pitchFamily="18" charset="0"/>
+                                  </a:rPr>
+                                  <m:t>,</m:t>
+                                </m:r>
+                                <m:r>
+                                  <a:rPr lang="en-US" altLang="ko-KR" sz="1600" smtClean="0">
+                                    <a:latin typeface="Cambria Math" panose="02040503050406030204" pitchFamily="18" charset="0"/>
+                                  </a:rPr>
+                                  <m:t>𝑦</m:t>
+                                </m:r>
+                                <m:r>
+                                  <a:rPr lang="en-US" altLang="ko-KR" sz="1600" smtClean="0">
+                                    <a:latin typeface="Cambria Math" panose="02040503050406030204" pitchFamily="18" charset="0"/>
+                                  </a:rPr>
+                                  <m:t>)</m:t>
+                                </m:r>
+                              </m:oMath>
+                            </m:oMathPara>
+                          </a14:m>
+                          <a:endParaRPr lang="ko-KR" altLang="en-US" sz="1600" b="0" dirty="0"/>
+                        </a:p>
+                      </a:txBody>
+                      <a:tcPr anchor="ctr"/>
+                    </a:tc>
+                    <a:extLst>
+                      <a:ext uri="{0D108BD9-81ED-4DB2-BD59-A6C34878D82A}">
+                        <a16:rowId xmlns:a16="http://schemas.microsoft.com/office/drawing/2014/main" val="10003"/>
+                      </a:ext>
+                    </a:extLst>
+                  </a:tr>
+                </a:tbl>
+              </a:graphicData>
+            </a:graphic>
+          </p:graphicFrame>
+        </mc:Choice>
+        <mc:Fallback>
+          <p:graphicFrame>
+            <p:nvGraphicFramePr>
+              <p:cNvPr id="4" name="표 3"/>
+              <p:cNvGraphicFramePr>
+                <a:graphicFrameLocks noGrp="1"/>
+              </p:cNvGraphicFramePr>
+              <p:nvPr>
+                <p:extLst>
+                  <p:ext uri="{D42A27DB-BD31-4B8C-83A1-F6EECF244321}">
+                    <p14:modId xmlns:p14="http://schemas.microsoft.com/office/powerpoint/2010/main" val="4254801804"/>
+                  </p:ext>
+                </p:extLst>
+              </p:nvPr>
+            </p:nvGraphicFramePr>
+            <p:xfrm>
+              <a:off x="1524000" y="1397000"/>
+              <a:ext cx="6072336" cy="2299366"/>
+            </p:xfrm>
+            <a:graphic>
+              <a:graphicData uri="http://schemas.openxmlformats.org/drawingml/2006/table">
+                <a:tbl>
+                  <a:tblPr firstRow="1" bandRow="1">
+                    <a:tableStyleId>{C083E6E3-FA7D-4D7B-A595-EF9225AFEA82}</a:tableStyleId>
+                  </a:tblPr>
+                  <a:tblGrid>
+                    <a:gridCol w="2024112">
+                      <a:extLst>
+                        <a:ext uri="{9D8B030D-6E8A-4147-A177-3AD203B41FA5}">
+                          <a16:colId xmlns:a16="http://schemas.microsoft.com/office/drawing/2014/main" val="20000"/>
+                        </a:ext>
+                      </a:extLst>
+                    </a:gridCol>
+                    <a:gridCol w="2024112">
+                      <a:extLst>
+                        <a:ext uri="{9D8B030D-6E8A-4147-A177-3AD203B41FA5}">
+                          <a16:colId xmlns:a16="http://schemas.microsoft.com/office/drawing/2014/main" val="20001"/>
+                        </a:ext>
+                      </a:extLst>
+                    </a:gridCol>
+                    <a:gridCol w="2024112">
+                      <a:extLst>
+                        <a:ext uri="{9D8B030D-6E8A-4147-A177-3AD203B41FA5}">
+                          <a16:colId xmlns:a16="http://schemas.microsoft.com/office/drawing/2014/main" val="20002"/>
+                        </a:ext>
+                      </a:extLst>
+                    </a:gridCol>
+                  </a:tblGrid>
+                  <a:tr h="562006">
+                    <a:tc>
+                      <a:txBody>
+                        <a:bodyPr/>
+                        <a:lstStyle/>
+                        <a:p>
+                          <a:pPr algn="ctr" latinLnBrk="1"/>
+                          <a:r>
+                            <a:rPr lang="en-US" altLang="ko-KR" sz="1600" b="0" dirty="0"/>
+                            <a:t>Section</a:t>
+                          </a:r>
+                          <a:endParaRPr lang="ko-KR" altLang="en-US" sz="1600" b="0" dirty="0"/>
+                        </a:p>
+                      </a:txBody>
+                      <a:tcPr anchor="ctr"/>
+                    </a:tc>
+                    <a:tc>
+                      <a:txBody>
+                        <a:bodyPr/>
+                        <a:lstStyle/>
+                        <a:p>
+                          <a:pPr algn="ctr" latinLnBrk="1"/>
+                          <a:r>
+                            <a:rPr lang="en-US" altLang="ko-KR" sz="1600" b="0" dirty="0"/>
+                            <a:t>Definite</a:t>
+                          </a:r>
+                          <a:r>
+                            <a:rPr lang="ko-KR" altLang="en-US" sz="1600" b="0" dirty="0"/>
+                            <a:t> </a:t>
+                          </a:r>
+                          <a:r>
+                            <a:rPr lang="en-US" altLang="ko-KR" sz="1600" b="0" dirty="0"/>
+                            <a:t>Integral</a:t>
+                          </a:r>
+                          <a:endParaRPr lang="ko-KR" altLang="en-US" sz="1600" b="0" dirty="0"/>
+                        </a:p>
+                      </a:txBody>
+                      <a:tcPr anchor="ctr"/>
+                    </a:tc>
+                    <a:tc>
+                      <a:txBody>
+                        <a:bodyPr/>
+                        <a:lstStyle/>
+                        <a:p>
+                          <a:pPr algn="ctr" latinLnBrk="1"/>
+                          <a:r>
+                            <a:rPr lang="en-US" altLang="ko-KR" sz="1600" b="0" dirty="0"/>
+                            <a:t>Double Integral</a:t>
+                          </a:r>
+                          <a:endParaRPr lang="ko-KR" altLang="en-US" sz="1600" b="0" dirty="0"/>
+                        </a:p>
+                      </a:txBody>
+                      <a:tcPr anchor="ctr"/>
+                    </a:tc>
+                    <a:extLst>
+                      <a:ext uri="{0D108BD9-81ED-4DB2-BD59-A6C34878D82A}">
+                        <a16:rowId xmlns:a16="http://schemas.microsoft.com/office/drawing/2014/main" val="10000"/>
+                      </a:ext>
+                    </a:extLst>
+                  </a:tr>
+                  <a:tr h="579120">
+                    <a:tc>
+                      <a:txBody>
+                        <a:bodyPr/>
+                        <a:lstStyle/>
+                        <a:p>
+                          <a:pPr algn="ctr" latinLnBrk="1"/>
+                          <a:r>
+                            <a:rPr lang="en-US" altLang="ko-KR" sz="1600" dirty="0"/>
+                            <a:t>Infinitesimal length/area</a:t>
+                          </a:r>
+                          <a:endParaRPr lang="ko-KR" altLang="en-US" sz="1600" b="0" dirty="0"/>
+                        </a:p>
+                      </a:txBody>
+                      <a:tcPr anchor="ctr"/>
+                    </a:tc>
+                    <a:tc>
+                      <a:txBody>
+                        <a:bodyPr/>
+                        <a:lstStyle/>
+                        <a:p>
+                          <a:endParaRPr lang="en-US"/>
+                        </a:p>
+                      </a:txBody>
+                      <a:tcPr anchor="ctr">
+                        <a:blipFill>
+                          <a:blip r:embed="rId2"/>
+                          <a:stretch>
+                            <a:fillRect l="-99700" t="-96875" r="-100000" b="-210417"/>
+                          </a:stretch>
+                        </a:blipFill>
+                      </a:tcPr>
+                    </a:tc>
+                    <a:tc>
+                      <a:txBody>
+                        <a:bodyPr/>
+                        <a:lstStyle/>
+                        <a:p>
+                          <a:endParaRPr lang="en-US"/>
+                        </a:p>
+                      </a:txBody>
+                      <a:tcPr anchor="ctr">
+                        <a:blipFill>
+                          <a:blip r:embed="rId2"/>
+                          <a:stretch>
+                            <a:fillRect l="-200301" t="-96875" r="-301" b="-210417"/>
+                          </a:stretch>
+                        </a:blipFill>
+                      </a:tcPr>
+                    </a:tc>
+                    <a:extLst>
+                      <a:ext uri="{0D108BD9-81ED-4DB2-BD59-A6C34878D82A}">
+                        <a16:rowId xmlns:a16="http://schemas.microsoft.com/office/drawing/2014/main" val="10001"/>
+                      </a:ext>
+                    </a:extLst>
+                  </a:tr>
+                  <a:tr h="579120">
+                    <a:tc>
+                      <a:txBody>
+                        <a:bodyPr/>
+                        <a:lstStyle/>
+                        <a:p>
+                          <a:pPr algn="ctr" latinLnBrk="1"/>
+                          <a:r>
+                            <a:rPr lang="en-US" altLang="ko-KR" sz="1600" b="0" dirty="0"/>
+                            <a:t>Summed</a:t>
+                          </a:r>
+                          <a:r>
+                            <a:rPr lang="ko-KR" altLang="en-US" sz="1600" b="0" dirty="0"/>
+                            <a:t> </a:t>
+                          </a:r>
+                          <a:r>
+                            <a:rPr lang="en-US" altLang="ko-KR" sz="1600" b="0" dirty="0"/>
+                            <a:t>object</a:t>
+                          </a:r>
+                          <a:endParaRPr lang="ko-KR" altLang="en-US" sz="1600" b="0" dirty="0"/>
+                        </a:p>
+                      </a:txBody>
+                      <a:tcPr anchor="ctr"/>
+                    </a:tc>
+                    <a:tc>
+                      <a:txBody>
+                        <a:bodyPr/>
+                        <a:lstStyle/>
+                        <a:p>
+                          <a:pPr algn="ctr" latinLnBrk="1"/>
+                          <a:r>
+                            <a:rPr lang="en-US" altLang="ko-KR" sz="1600" dirty="0"/>
+                            <a:t>Area of small rectangles</a:t>
+                          </a:r>
+                          <a:endParaRPr lang="ko-KR" altLang="en-US" sz="1600" b="0" dirty="0"/>
+                        </a:p>
+                      </a:txBody>
+                      <a:tcPr anchor="ctr"/>
+                    </a:tc>
+                    <a:tc>
+                      <a:txBody>
+                        <a:bodyPr/>
+                        <a:lstStyle/>
+                        <a:p>
+                          <a:pPr algn="ctr" latinLnBrk="1"/>
+                          <a:r>
+                            <a:rPr lang="en-US" altLang="ko-KR" sz="1600" dirty="0"/>
+                            <a:t>Volume of small sticks</a:t>
+                          </a:r>
+                          <a:endParaRPr lang="ko-KR" altLang="en-US" sz="1600" b="0" dirty="0"/>
+                        </a:p>
+                      </a:txBody>
+                      <a:tcPr anchor="ctr"/>
+                    </a:tc>
+                    <a:extLst>
+                      <a:ext uri="{0D108BD9-81ED-4DB2-BD59-A6C34878D82A}">
+                        <a16:rowId xmlns:a16="http://schemas.microsoft.com/office/drawing/2014/main" val="10002"/>
+                      </a:ext>
+                    </a:extLst>
+                  </a:tr>
+                  <a:tr h="579120">
+                    <a:tc>
+                      <a:txBody>
+                        <a:bodyPr/>
+                        <a:lstStyle/>
+                        <a:p>
+                          <a:pPr algn="ctr" latinLnBrk="1"/>
+                          <a:r>
+                            <a:rPr lang="en-US" altLang="ko-KR" sz="1600" dirty="0"/>
+                            <a:t>How the function looks</a:t>
+                          </a:r>
+                          <a:endParaRPr lang="ko-KR" altLang="en-US" sz="1600" b="0" dirty="0"/>
+                        </a:p>
+                      </a:txBody>
+                      <a:tcPr anchor="ctr"/>
+                    </a:tc>
+                    <a:tc>
+                      <a:txBody>
+                        <a:bodyPr/>
+                        <a:lstStyle/>
+                        <a:p>
+                          <a:endParaRPr lang="en-US"/>
+                        </a:p>
+                      </a:txBody>
+                      <a:tcPr anchor="ctr">
+                        <a:blipFill>
+                          <a:blip r:embed="rId2"/>
+                          <a:stretch>
+                            <a:fillRect l="-99700" t="-298947" r="-100000" b="-12632"/>
+                          </a:stretch>
+                        </a:blipFill>
+                      </a:tcPr>
+                    </a:tc>
+                    <a:tc>
+                      <a:txBody>
+                        <a:bodyPr/>
+                        <a:lstStyle/>
+                        <a:p>
+                          <a:endParaRPr lang="en-US"/>
+                        </a:p>
+                      </a:txBody>
+                      <a:tcPr anchor="ctr">
+                        <a:blipFill>
+                          <a:blip r:embed="rId2"/>
+                          <a:stretch>
+                            <a:fillRect l="-200301" t="-298947" r="-301" b="-12632"/>
+                          </a:stretch>
+                        </a:blipFill>
+                      </a:tcPr>
+                    </a:tc>
+                    <a:extLst>
+                      <a:ext uri="{0D108BD9-81ED-4DB2-BD59-A6C34878D82A}">
+                        <a16:rowId xmlns:a16="http://schemas.microsoft.com/office/drawing/2014/main" val="10003"/>
+                      </a:ext>
+                    </a:extLst>
+                  </a:tr>
+                </a:tbl>
+              </a:graphicData>
+            </a:graphic>
+          </p:graphicFrame>
+        </mc:Fallback>
+      </mc:AlternateContent>
+    </p:spTree>
+    <p:extLst>
+      <p:ext uri="{BB962C8B-B14F-4D97-AF65-F5344CB8AC3E}">
+        <p14:creationId xmlns:p14="http://schemas.microsoft.com/office/powerpoint/2010/main" val="487342209"/>
+      </p:ext>
+    </p:extLst>
+  </p:cSld>
+  <p:clrMapOvr>
+    <a:masterClrMapping/>
+  </p:clrMapOvr>
+</p:sld>
+</file>
+
+<file path=ppt/slides/slide3.xml><?xml version="1.0" encoding="utf-8"?>
+<p:sld xmlns:a="http://schemas.openxmlformats.org/drawingml/2006/main" xmlns:r="http://schemas.openxmlformats.org/officeDocument/2006/relationships" xmlns:p="http://schemas.openxmlformats.org/presentationml/2006/main">
+  <p:cSld>
+    <p:spTree>
+      <p:nvGrpSpPr>
+        <p:cNvPr id="1" name=""/>
+        <p:cNvGrpSpPr/>
+        <p:nvPr/>
+      </p:nvGrpSpPr>
+      <p:grpSpPr>
+        <a:xfrm>
+          <a:off x="0" y="0"/>
+          <a:ext cx="0" cy="0"/>
+          <a:chOff x="0" y="0"/>
+          <a:chExt cx="0" cy="0"/>
+        </a:xfrm>
+      </p:grpSpPr>
       <p:pic>
         <p:nvPicPr>
           <p:cNvPr id="1026" name="Picture 2" descr="D:\angeloyeo.github.io\pics\2020-07-30_Multiple_Integral\pic2.png"/>
@@ -3881,8 +4725,8 @@
           </a:fontRef>
         </p:style>
       </p:cxnSp>
-      <mc:AlternateContent xmlns:mc="http://schemas.openxmlformats.org/markup-compatibility/2006">
-        <mc:Choice xmlns:a14="http://schemas.microsoft.com/office/drawing/2010/main" Requires="a14">
+      <mc:AlternateContent xmlns:mc="http://schemas.openxmlformats.org/markup-compatibility/2006" xmlns:a14="http://schemas.microsoft.com/office/drawing/2010/main">
+        <mc:Choice Requires="a14">
           <p:sp>
             <p:nvSpPr>
               <p:cNvPr id="9" name="TextBox 8"/>
@@ -3905,6 +4749,7 @@
               </a:bodyPr>
               <a:lstStyle/>
               <a:p>
+                <a:pPr/>
                 <a14:m>
                   <m:oMathPara xmlns:m="http://schemas.openxmlformats.org/officeDocument/2006/math">
                     <m:oMathParaPr>
@@ -3950,7 +4795,7 @@
             </p:txBody>
           </p:sp>
         </mc:Choice>
-        <mc:Fallback>
+        <mc:Fallback xmlns="">
           <p:sp>
             <p:nvSpPr>
               <p:cNvPr id="9" name="TextBox 8"/>
@@ -3989,8 +4834,8 @@
           </p:sp>
         </mc:Fallback>
       </mc:AlternateContent>
-      <mc:AlternateContent xmlns:mc="http://schemas.openxmlformats.org/markup-compatibility/2006">
-        <mc:Choice xmlns:a14="http://schemas.microsoft.com/office/drawing/2010/main" Requires="a14">
+      <mc:AlternateContent xmlns:mc="http://schemas.openxmlformats.org/markup-compatibility/2006" xmlns:a14="http://schemas.microsoft.com/office/drawing/2010/main">
+        <mc:Choice Requires="a14">
           <p:sp>
             <p:nvSpPr>
               <p:cNvPr id="11" name="TextBox 10"/>
@@ -4013,6 +4858,7 @@
               </a:bodyPr>
               <a:lstStyle/>
               <a:p>
+                <a:pPr/>
                 <a14:m>
                   <m:oMathPara xmlns:m="http://schemas.openxmlformats.org/officeDocument/2006/math">
                     <m:oMathParaPr>
@@ -4058,7 +4904,7 @@
             </p:txBody>
           </p:sp>
         </mc:Choice>
-        <mc:Fallback>
+        <mc:Fallback xmlns="">
           <p:sp>
             <p:nvSpPr>
               <p:cNvPr id="11" name="TextBox 10"/>
@@ -4793,8 +5639,8 @@
           </a:p>
         </p:txBody>
       </p:sp>
-      <mc:AlternateContent xmlns:mc="http://schemas.openxmlformats.org/markup-compatibility/2006">
-        <mc:Choice xmlns:a14="http://schemas.microsoft.com/office/drawing/2010/main" Requires="a14">
+      <mc:AlternateContent xmlns:mc="http://schemas.openxmlformats.org/markup-compatibility/2006" xmlns:a14="http://schemas.microsoft.com/office/drawing/2010/main">
+        <mc:Choice Requires="a14">
           <p:sp>
             <p:nvSpPr>
               <p:cNvPr id="13" name="TextBox 12"/>
@@ -4817,6 +5663,7 @@
               </a:bodyPr>
               <a:lstStyle/>
               <a:p>
+                <a:pPr/>
                 <a14:m>
                   <m:oMathPara xmlns:m="http://schemas.openxmlformats.org/officeDocument/2006/math">
                     <m:oMathParaPr>
@@ -4830,7 +5677,7 @@
                               <a:solidFill>
                                 <a:schemeClr val="accent6"/>
                               </a:solidFill>
-                              <a:latin typeface="Cambria Math"/>
+                              <a:latin typeface="Cambria Math" panose="02040503050406030204" pitchFamily="18" charset="0"/>
                             </a:rPr>
                           </m:ctrlPr>
                         </m:sSubPr>
@@ -4896,7 +5743,7 @@
             </p:txBody>
           </p:sp>
         </mc:Choice>
-        <mc:Fallback>
+        <mc:Fallback xmlns="">
           <p:sp>
             <p:nvSpPr>
               <p:cNvPr id="13" name="TextBox 12"/>
@@ -4935,8 +5782,8 @@
           </p:sp>
         </mc:Fallback>
       </mc:AlternateContent>
-      <mc:AlternateContent xmlns:mc="http://schemas.openxmlformats.org/markup-compatibility/2006">
-        <mc:Choice xmlns:a14="http://schemas.microsoft.com/office/drawing/2010/main" Requires="a14">
+      <mc:AlternateContent xmlns:mc="http://schemas.openxmlformats.org/markup-compatibility/2006" xmlns:a14="http://schemas.microsoft.com/office/drawing/2010/main">
+        <mc:Choice Requires="a14">
           <p:sp>
             <p:nvSpPr>
               <p:cNvPr id="15" name="TextBox 14"/>
@@ -4959,6 +5806,7 @@
               </a:bodyPr>
               <a:lstStyle/>
               <a:p>
+                <a:pPr/>
                 <a14:m>
                   <m:oMathPara xmlns:m="http://schemas.openxmlformats.org/officeDocument/2006/math">
                     <m:oMathParaPr>
@@ -4972,7 +5820,7 @@
                               <a:solidFill>
                                 <a:schemeClr val="accent5"/>
                               </a:solidFill>
-                              <a:latin typeface="Cambria Math"/>
+                              <a:latin typeface="Cambria Math" panose="02040503050406030204" pitchFamily="18" charset="0"/>
                             </a:rPr>
                           </m:ctrlPr>
                         </m:sSubPr>
@@ -5038,7 +5886,7 @@
             </p:txBody>
           </p:sp>
         </mc:Choice>
-        <mc:Fallback>
+        <mc:Fallback xmlns="">
           <p:sp>
             <p:nvSpPr>
               <p:cNvPr id="15" name="TextBox 14"/>
